--- a/slides/geodata.pptx
+++ b/slides/geodata.pptx
@@ -14,7 +14,6 @@
     <p:sldId id="260" r:id="rId9"/>
     <p:sldId id="261" r:id="rId10"/>
     <p:sldId id="262" r:id="rId11"/>
-    <p:sldId id="263" r:id="rId12"/>
   </p:sldIdLst>
   <p:sldSz cx="12192000" cy="6858000"/>
   <p:notesSz cx="7559675" cy="10691813"/>
@@ -8534,7 +8533,7 @@
                 <a:tab algn="l" pos="0"/>
               </a:tabLst>
             </a:pPr>
-            <a:fld id="{2B75A2DE-999B-4B7E-813C-F799175D8799}" type="datetime3">
+            <a:fld id="{0331758B-7DB5-499A-9B9F-DE06B38D4346}" type="datetime3">
               <a:rPr b="0" lang="de-DE" sz="900" spc="-1" strike="noStrike">
                 <a:solidFill>
                   <a:srgbClr val="000000"/>
@@ -8552,7 +8551,7 @@
               </a:rPr>
               <a:t> | Seite </a:t>
             </a:r>
-            <a:fld id="{D895B6C3-2E57-41B2-B9CB-C0ECE408CEAC}" type="slidenum">
+            <a:fld id="{481DB13C-0F9C-4385-B339-7B211AAF26C5}" type="slidenum">
               <a:rPr b="0" lang="de-DE" sz="900" spc="-1" strike="noStrike">
                 <a:solidFill>
                   <a:srgbClr val="000000"/>
@@ -8845,7 +8844,7 @@
                 </a:solidFill>
                 <a:latin typeface="VistaSansBook"/>
               </a:rPr>
-              <a:t>Mittelalter</a:t>
+              <a:t>Konzepte, z.B. Mittelalter</a:t>
             </a:r>
             <a:endParaRPr b="0" lang="de-DE" sz="1800" spc="-1" strike="noStrike">
               <a:solidFill>
@@ -8998,7 +8997,7 @@
           <a:bodyPr/>
           <a:p>
             <a:r>
-              <a:t>Autor | Abteilung</a:t>
+              <a:t>Arne Rümmler | Abteilung 4</a:t>
             </a:r>
           </a:p>
         </p:txBody>
@@ -9017,7 +9016,7 @@
 </file>
 
 <file path=ppt/slides/slide3.xml><?xml version="1.0" encoding="utf-8"?>
-<p:sld xmlns:a="http://schemas.openxmlformats.org/drawingml/2006/main" xmlns:p="http://schemas.openxmlformats.org/presentationml/2006/main" xmlns:r="http://schemas.openxmlformats.org/officeDocument/2006/relationships" xmlns:p14="http://schemas.microsoft.com/office/powerpoint/2010/main" xmlns:p15="http://schemas.microsoft.com/office/powerpoint/2012/main" xmlns:mc="http://schemas.openxmlformats.org/markup-compatibility/2006">
+<p:sld xmlns:a="http://schemas.openxmlformats.org/drawingml/2006/main" xmlns:p="http://schemas.openxmlformats.org/presentationml/2006/main" xmlns:r="http://schemas.openxmlformats.org/officeDocument/2006/relationships" xmlns:p14="http://schemas.microsoft.com/office/powerpoint/2010/main" xmlns:p15="http://schemas.microsoft.com/office/powerpoint/2012/main" xmlns:mc="http://schemas.openxmlformats.org/markup-compatibility/2006" showMasterSp="0">
   <p:cSld>
     <p:spTree>
       <p:nvGrpSpPr>
@@ -9142,7 +9141,7 @@
                 <a:tab algn="l" pos="0"/>
               </a:tabLst>
             </a:pPr>
-            <a:fld id="{DE7656D3-744F-4EFD-AAFF-B9D5E6F7603F}" type="datetime3">
+            <a:fld id="{2CC184BC-7CDF-4C95-BF3F-1DFD12920838}" type="datetime3">
               <a:rPr b="0" lang="de-DE" sz="900" spc="-1" strike="noStrike">
                 <a:solidFill>
                   <a:srgbClr val="000000"/>
@@ -9160,7 +9159,7 @@
               </a:rPr>
               <a:t> | Seite </a:t>
             </a:r>
-            <a:fld id="{F43774D2-15FB-41E0-82BF-29F61A23E1E0}" type="slidenum">
+            <a:fld id="{E6592BEB-B29A-4B8F-B549-FBAE7BD7A793}" type="slidenum">
               <a:rPr b="0" lang="de-DE" sz="900" spc="-1" strike="noStrike">
                 <a:solidFill>
                   <a:srgbClr val="000000"/>
@@ -9398,7 +9397,7 @@
           <a:bodyPr/>
           <a:p>
             <a:r>
-              <a:t>Autor | Abteilung</a:t>
+              <a:t>Arne Rümmler | Abteilung 4</a:t>
             </a:r>
           </a:p>
         </p:txBody>
@@ -9512,7 +9511,7 @@
                 <a:tab algn="l" pos="0"/>
               </a:tabLst>
             </a:pPr>
-            <a:fld id="{E3F6049E-BB55-478A-A4FB-1F68E080AFAD}" type="datetime3">
+            <a:fld id="{301C71B1-6CCD-4AA7-8FD4-3BC83C72C70E}" type="datetime3">
               <a:rPr b="0" lang="de-DE" sz="900" spc="-1" strike="noStrike">
                 <a:solidFill>
                   <a:srgbClr val="000000"/>
@@ -9530,7 +9529,7 @@
               </a:rPr>
               <a:t> | Seite </a:t>
             </a:r>
-            <a:fld id="{CD521A37-03DC-43EF-A757-F6525E155FD9}" type="slidenum">
+            <a:fld id="{BB3F9B20-15EF-4C45-B502-C67951DE57CA}" type="slidenum">
               <a:rPr b="0" lang="de-DE" sz="900" spc="-1" strike="noStrike">
                 <a:solidFill>
                   <a:srgbClr val="000000"/>
@@ -9969,7 +9968,7 @@
           <a:bodyPr/>
           <a:p>
             <a:r>
-              <a:t>Autor | Abteilung</a:t>
+              <a:t>Arne Rümmler | Abteilung 4</a:t>
             </a:r>
           </a:p>
         </p:txBody>
@@ -10113,7 +10112,7 @@
                 <a:tab algn="l" pos="0"/>
               </a:tabLst>
             </a:pPr>
-            <a:fld id="{7DC2B242-2103-4F6F-AB44-A72B1727AAFE}" type="datetime3">
+            <a:fld id="{B619F20D-037A-40A6-815B-1CF001307726}" type="datetime3">
               <a:rPr b="0" lang="de-DE" sz="900" spc="-1" strike="noStrike">
                 <a:solidFill>
                   <a:srgbClr val="000000"/>
@@ -10131,7 +10130,7 @@
               </a:rPr>
               <a:t> | Seite </a:t>
             </a:r>
-            <a:fld id="{8D1ABB82-E86D-49DF-ACD8-5B0AEDF91A61}" type="slidenum">
+            <a:fld id="{1D2E49D6-9B89-48A5-BB9A-F84EE5C15474}" type="slidenum">
               <a:rPr b="0" lang="de-DE" sz="900" spc="-1" strike="noStrike">
                 <a:solidFill>
                   <a:srgbClr val="000000"/>
@@ -10512,7 +10511,7 @@
           <a:bodyPr/>
           <a:p>
             <a:r>
-              <a:t>Autor | Abteilung</a:t>
+              <a:t>Arne Rümmler | Abteilung 4</a:t>
             </a:r>
           </a:p>
         </p:txBody>
@@ -10656,7 +10655,7 @@
                 <a:tab algn="l" pos="0"/>
               </a:tabLst>
             </a:pPr>
-            <a:fld id="{0FF14593-0873-48F0-88AC-A5390C794AED}" type="datetime3">
+            <a:fld id="{4DD7D317-75E7-4412-91C7-9B2248F867EF}" type="datetime3">
               <a:rPr b="0" lang="de-DE" sz="900" spc="-1" strike="noStrike">
                 <a:solidFill>
                   <a:srgbClr val="000000"/>
@@ -10674,7 +10673,7 @@
               </a:rPr>
               <a:t> | Seite </a:t>
             </a:r>
-            <a:fld id="{6C2ACBF5-4E59-4F94-83EF-32A765A4A0C2}" type="slidenum">
+            <a:fld id="{DC3A11BD-AB9E-4759-ADE3-992E62DC5907}" type="slidenum">
               <a:rPr b="0" lang="de-DE" sz="900" spc="-1" strike="noStrike">
                 <a:solidFill>
                   <a:srgbClr val="000000"/>
@@ -10869,7 +10868,7 @@
           <a:bodyPr/>
           <a:p>
             <a:r>
-              <a:t>Autor | Abteilung</a:t>
+              <a:t>Arne Rümmler | Abteilung 4</a:t>
             </a:r>
           </a:p>
         </p:txBody>
@@ -11013,7 +11012,7 @@
                 <a:tab algn="l" pos="0"/>
               </a:tabLst>
             </a:pPr>
-            <a:fld id="{8EABB560-55E2-4439-BF09-F7C967B4EB36}" type="datetime3">
+            <a:fld id="{FCB41E4F-24B9-4945-A68C-D4236C9A3885}" type="datetime3">
               <a:rPr b="0" lang="de-DE" sz="900" spc="-1" strike="noStrike">
                 <a:solidFill>
                   <a:srgbClr val="000000"/>
@@ -11031,7 +11030,7 @@
               </a:rPr>
               <a:t> | Seite </a:t>
             </a:r>
-            <a:fld id="{B109FA38-F8AE-492B-8970-9EAA4083DF89}" type="slidenum">
+            <a:fld id="{E901C974-B267-45FE-B022-64E1F5BCDB77}" type="slidenum">
               <a:rPr b="0" lang="de-DE" sz="900" spc="-1" strike="noStrike">
                 <a:solidFill>
                   <a:srgbClr val="000000"/>
@@ -11361,462 +11360,7 @@
           <a:bodyPr/>
           <a:p>
             <a:r>
-              <a:t>Autor | Abteilung</a:t>
-            </a:r>
-          </a:p>
-        </p:txBody>
-      </p:sp>
-    </p:spTree>
-  </p:cSld>
-  <mc:AlternateContent>
-    <mc:Choice Requires="p14">
-      <p:transition spd="slow" p14:dur="2000"/>
-    </mc:Choice>
-    <mc:Fallback>
-      <p:transition spd="slow"/>
-    </mc:Fallback>
-  </mc:AlternateContent>
-</p:sld>
-</file>
-
-<file path=ppt/slides/slide8.xml><?xml version="1.0" encoding="utf-8"?>
-<p:sld xmlns:a="http://schemas.openxmlformats.org/drawingml/2006/main" xmlns:p="http://schemas.openxmlformats.org/presentationml/2006/main" xmlns:r="http://schemas.openxmlformats.org/officeDocument/2006/relationships" xmlns:p14="http://schemas.microsoft.com/office/powerpoint/2010/main" xmlns:p15="http://schemas.microsoft.com/office/powerpoint/2012/main" xmlns:mc="http://schemas.openxmlformats.org/markup-compatibility/2006">
-  <p:cSld>
-    <p:spTree>
-      <p:nvGrpSpPr>
-        <p:cNvPr id="1" name=""/>
-        <p:cNvGrpSpPr/>
-        <p:nvPr/>
-      </p:nvGrpSpPr>
-      <p:grpSpPr>
-        <a:xfrm>
-          <a:off x="0" y="0"/>
-          <a:ext cx="0" cy="0"/>
-          <a:chOff x="0" y="0"/>
-          <a:chExt cx="0" cy="0"/>
-        </a:xfrm>
-      </p:grpSpPr>
-      <p:sp>
-        <p:nvSpPr>
-          <p:cNvPr id="179" name="PlaceHolder 1"/>
-          <p:cNvSpPr>
-            <a:spLocks noGrp="1"/>
-          </p:cNvSpPr>
-          <p:nvPr>
-            <p:ph type="title"/>
-          </p:nvPr>
-        </p:nvSpPr>
-        <p:spPr>
-          <a:xfrm>
-            <a:off x="478440" y="289080"/>
-            <a:ext cx="11229480" cy="431640"/>
-          </a:xfrm>
-          <a:prstGeom prst="rect">
-            <a:avLst/>
-          </a:prstGeom>
-          <a:noFill/>
-          <a:ln w="0">
-            <a:noFill/>
-          </a:ln>
-        </p:spPr>
-        <p:txBody>
-          <a:bodyPr lIns="0" rIns="0" tIns="0" bIns="0" anchor="t">
-            <a:noAutofit/>
-          </a:bodyPr>
-          <a:p>
-            <a:pPr>
-              <a:lnSpc>
-                <a:spcPct val="100000"/>
-              </a:lnSpc>
-              <a:buNone/>
-              <a:tabLst>
-                <a:tab algn="l" pos="0"/>
-              </a:tabLst>
-            </a:pPr>
-            <a:r>
-              <a:rPr b="0" lang="de-DE" sz="2600" spc="-1" strike="noStrike">
-                <a:solidFill>
-                  <a:srgbClr val="000000"/>
-                </a:solidFill>
-                <a:latin typeface="VistaSansBold"/>
-              </a:rPr>
-              <a:t>Motivation: Geokodierung</a:t>
-            </a:r>
-            <a:endParaRPr b="0" lang="de-DE" sz="2600" spc="-1" strike="noStrike">
-              <a:solidFill>
-                <a:srgbClr val="000000"/>
-              </a:solidFill>
-              <a:latin typeface="VistaSansBook"/>
-            </a:endParaRPr>
-          </a:p>
-        </p:txBody>
-      </p:sp>
-      <p:sp>
-        <p:nvSpPr>
-          <p:cNvPr id="180" name="PlaceHolder 2"/>
-          <p:cNvSpPr>
-            <a:spLocks noGrp="1"/>
-          </p:cNvSpPr>
-          <p:nvPr>
-            <p:ph type="dt" idx="12"/>
-          </p:nvPr>
-        </p:nvSpPr>
-        <p:spPr>
-          <a:xfrm>
-            <a:off x="7363080" y="6390000"/>
-            <a:ext cx="2591640" cy="107640"/>
-          </a:xfrm>
-          <a:prstGeom prst="rect">
-            <a:avLst/>
-          </a:prstGeom>
-          <a:noFill/>
-          <a:ln w="0">
-            <a:noFill/>
-          </a:ln>
-        </p:spPr>
-        <p:txBody>
-          <a:bodyPr lIns="0" rIns="0" tIns="0" bIns="0" anchor="t">
-            <a:noAutofit/>
-          </a:bodyPr>
-          <a:lstStyle>
-            <a:lvl1pPr>
-              <a:lnSpc>
-                <a:spcPct val="100000"/>
-              </a:lnSpc>
-              <a:buNone/>
-              <a:tabLst>
-                <a:tab algn="l" pos="0"/>
-              </a:tabLst>
-              <a:defRPr b="0" lang="de-DE" sz="900" spc="-1" strike="noStrike">
-                <a:solidFill>
-                  <a:srgbClr val="000000"/>
-                </a:solidFill>
-                <a:latin typeface="VistaSansBook"/>
-              </a:defRPr>
-            </a:lvl1pPr>
-          </a:lstStyle>
-          <a:p>
-            <a:pPr>
-              <a:lnSpc>
-                <a:spcPct val="100000"/>
-              </a:lnSpc>
-              <a:buNone/>
-              <a:tabLst>
-                <a:tab algn="l" pos="0"/>
-              </a:tabLst>
-            </a:pPr>
-            <a:fld id="{E1FD51D2-5E74-4B98-8BA5-0A95F1AF0CAB}" type="datetime3">
-              <a:rPr b="0" lang="de-DE" sz="900" spc="-1" strike="noStrike">
-                <a:solidFill>
-                  <a:srgbClr val="000000"/>
-                </a:solidFill>
-                <a:latin typeface="VistaSansBook"/>
-              </a:rPr>
-              <a:t>11. Mai 2023</a:t>
-            </a:fld>
-            <a:r>
-              <a:rPr b="0" lang="de-DE" sz="900" spc="-1" strike="noStrike">
-                <a:solidFill>
-                  <a:srgbClr val="000000"/>
-                </a:solidFill>
-                <a:latin typeface="VistaSansBook"/>
-              </a:rPr>
-              <a:t> | Seite </a:t>
-            </a:r>
-            <a:fld id="{23163657-E807-4124-90AA-D115A1667B1A}" type="slidenum">
-              <a:rPr b="0" lang="de-DE" sz="900" spc="-1" strike="noStrike">
-                <a:solidFill>
-                  <a:srgbClr val="000000"/>
-                </a:solidFill>
-                <a:latin typeface="VistaSansBook"/>
-              </a:rPr>
-              <a:t>&lt;number&gt;</a:t>
-            </a:fld>
-            <a:r>
-              <a:rPr b="0" lang="de-DE" sz="900" spc="-1" strike="noStrike">
-                <a:solidFill>
-                  <a:srgbClr val="000000"/>
-                </a:solidFill>
-                <a:latin typeface="VistaSansBook"/>
-              </a:rPr>
-              <a:t> </a:t>
-            </a:r>
-            <a:endParaRPr b="0" lang="en-US" sz="900" spc="-1" strike="noStrike">
-              <a:latin typeface="Times New Roman"/>
-            </a:endParaRPr>
-          </a:p>
-        </p:txBody>
-      </p:sp>
-      <p:sp>
-        <p:nvSpPr>
-          <p:cNvPr id="181" name="PlaceHolder 3"/>
-          <p:cNvSpPr>
-            <a:spLocks noGrp="1"/>
-          </p:cNvSpPr>
-          <p:nvPr>
-            <p:ph/>
-          </p:nvPr>
-        </p:nvSpPr>
-        <p:spPr>
-          <a:xfrm>
-            <a:off x="478440" y="677520"/>
-            <a:ext cx="11231640" cy="431640"/>
-          </a:xfrm>
-          <a:prstGeom prst="rect">
-            <a:avLst/>
-          </a:prstGeom>
-          <a:noFill/>
-          <a:ln w="0">
-            <a:noFill/>
-          </a:ln>
-        </p:spPr>
-        <p:txBody>
-          <a:bodyPr lIns="0" rIns="0" tIns="0" bIns="0" anchor="t">
-            <a:noAutofit/>
-          </a:bodyPr>
-          <a:p>
-            <a:endParaRPr b="0" lang="de-DE" sz="1800" spc="-1" strike="noStrike">
-              <a:solidFill>
-                <a:srgbClr val="000000"/>
-              </a:solidFill>
-              <a:latin typeface="VistaSansBook"/>
-            </a:endParaRPr>
-          </a:p>
-        </p:txBody>
-      </p:sp>
-      <p:sp>
-        <p:nvSpPr>
-          <p:cNvPr id="182" name="PlaceHolder 4"/>
-          <p:cNvSpPr>
-            <a:spLocks noGrp="1"/>
-          </p:cNvSpPr>
-          <p:nvPr>
-            <p:ph/>
-          </p:nvPr>
-        </p:nvSpPr>
-        <p:spPr>
-          <a:xfrm>
-            <a:off x="457200" y="1386000"/>
-            <a:ext cx="11231640" cy="4462200"/>
-          </a:xfrm>
-          <a:prstGeom prst="rect">
-            <a:avLst/>
-          </a:prstGeom>
-          <a:noFill/>
-          <a:ln w="0">
-            <a:noFill/>
-          </a:ln>
-        </p:spPr>
-        <p:txBody>
-          <a:bodyPr lIns="0" rIns="0" tIns="0" bIns="0" anchor="t">
-            <a:noAutofit/>
-          </a:bodyPr>
-          <a:p>
-            <a:pPr>
-              <a:lnSpc>
-                <a:spcPct val="100000"/>
-              </a:lnSpc>
-              <a:spcAft>
-                <a:spcPts val="1100"/>
-              </a:spcAft>
-              <a:buNone/>
-              <a:tabLst>
-                <a:tab algn="l" pos="0"/>
-              </a:tabLst>
-            </a:pPr>
-            <a:r>
-              <a:rPr b="0" lang="de-DE" sz="1800" spc="-1" strike="noStrike">
-                <a:solidFill>
-                  <a:srgbClr val="000000"/>
-                </a:solidFill>
-                <a:latin typeface="VistaSansBook"/>
-              </a:rPr>
-              <a:t>Geokodierung beschreibt die Zuordnung von Koordinaten zu Ortsnamen.</a:t>
-            </a:r>
-            <a:endParaRPr b="0" lang="de-DE" sz="1800" spc="-1" strike="noStrike">
-              <a:solidFill>
-                <a:srgbClr val="000000"/>
-              </a:solidFill>
-              <a:latin typeface="VistaSansBook"/>
-            </a:endParaRPr>
-          </a:p>
-          <a:p>
-            <a:pPr>
-              <a:lnSpc>
-                <a:spcPct val="100000"/>
-              </a:lnSpc>
-              <a:spcAft>
-                <a:spcPts val="1100"/>
-              </a:spcAft>
-              <a:buNone/>
-              <a:tabLst>
-                <a:tab algn="l" pos="0"/>
-              </a:tabLst>
-            </a:pPr>
-            <a:endParaRPr b="0" lang="de-DE" sz="1800" spc="-1" strike="noStrike">
-              <a:solidFill>
-                <a:srgbClr val="000000"/>
-              </a:solidFill>
-              <a:latin typeface="VistaSansBook"/>
-            </a:endParaRPr>
-          </a:p>
-          <a:p>
-            <a:pPr>
-              <a:lnSpc>
-                <a:spcPct val="100000"/>
-              </a:lnSpc>
-              <a:spcAft>
-                <a:spcPts val="1100"/>
-              </a:spcAft>
-              <a:buNone/>
-              <a:tabLst>
-                <a:tab algn="l" pos="0"/>
-              </a:tabLst>
-            </a:pPr>
-            <a:r>
-              <a:rPr b="0" lang="de-DE" sz="1800" spc="-1" strike="noStrike">
-                <a:solidFill>
-                  <a:srgbClr val="000000"/>
-                </a:solidFill>
-                <a:latin typeface="VistaSansBook"/>
-              </a:rPr>
-              <a:t>- häufigste Anwendung: Auflösung von Adressen zu Locations (Navi)</a:t>
-            </a:r>
-            <a:endParaRPr b="0" lang="de-DE" sz="1800" spc="-1" strike="noStrike">
-              <a:solidFill>
-                <a:srgbClr val="000000"/>
-              </a:solidFill>
-              <a:latin typeface="VistaSansBook"/>
-            </a:endParaRPr>
-          </a:p>
-          <a:p>
-            <a:pPr>
-              <a:lnSpc>
-                <a:spcPct val="100000"/>
-              </a:lnSpc>
-              <a:spcAft>
-                <a:spcPts val="1100"/>
-              </a:spcAft>
-              <a:buNone/>
-              <a:tabLst>
-                <a:tab algn="l" pos="0"/>
-              </a:tabLst>
-            </a:pPr>
-            <a:r>
-              <a:rPr b="0" lang="de-DE" sz="1800" spc="-1" strike="noStrike">
-                <a:solidFill>
-                  <a:srgbClr val="000000"/>
-                </a:solidFill>
-                <a:latin typeface="VistaSansBook"/>
-              </a:rPr>
-              <a:t>- mögliche Anwendung: Räumliche Durchsuchbarkeit von Textkorpera</a:t>
-            </a:r>
-            <a:br>
-              <a:rPr sz="1800"/>
-            </a:br>
-            <a:r>
-              <a:rPr b="0" lang="de-DE" sz="1800" spc="-1" strike="noStrike">
-                <a:solidFill>
-                  <a:srgbClr val="000000"/>
-                </a:solidFill>
-                <a:latin typeface="VistaSansBook"/>
-              </a:rPr>
-              <a:t>	</a:t>
-            </a:r>
-            <a:r>
-              <a:rPr b="0" lang="de-DE" sz="1800" spc="-1" strike="noStrike">
-                <a:solidFill>
-                  <a:srgbClr val="000000"/>
-                </a:solidFill>
-                <a:latin typeface="VistaSansBook"/>
-              </a:rPr>
-              <a:t>→ Digitalisierung → OCR → Sprachmodell → Ortsnamen → Disambiguierung → $$$ </a:t>
-            </a:r>
-            <a:endParaRPr b="0" lang="de-DE" sz="1800" spc="-1" strike="noStrike">
-              <a:solidFill>
-                <a:srgbClr val="000000"/>
-              </a:solidFill>
-              <a:latin typeface="VistaSansBook"/>
-            </a:endParaRPr>
-          </a:p>
-          <a:p>
-            <a:pPr>
-              <a:lnSpc>
-                <a:spcPct val="100000"/>
-              </a:lnSpc>
-              <a:spcAft>
-                <a:spcPts val="1100"/>
-              </a:spcAft>
-              <a:buNone/>
-              <a:tabLst>
-                <a:tab algn="l" pos="0"/>
-              </a:tabLst>
-            </a:pPr>
-            <a:endParaRPr b="0" lang="de-DE" sz="1800" spc="-1" strike="noStrike">
-              <a:solidFill>
-                <a:srgbClr val="000000"/>
-              </a:solidFill>
-              <a:latin typeface="VistaSansBook"/>
-            </a:endParaRPr>
-          </a:p>
-          <a:p>
-            <a:pPr>
-              <a:lnSpc>
-                <a:spcPct val="100000"/>
-              </a:lnSpc>
-              <a:spcAft>
-                <a:spcPts val="1100"/>
-              </a:spcAft>
-              <a:buNone/>
-              <a:tabLst>
-                <a:tab algn="l" pos="0"/>
-              </a:tabLst>
-            </a:pPr>
-            <a:endParaRPr b="0" lang="de-DE" sz="1800" spc="-1" strike="noStrike">
-              <a:solidFill>
-                <a:srgbClr val="000000"/>
-              </a:solidFill>
-              <a:latin typeface="VistaSansBook"/>
-            </a:endParaRPr>
-          </a:p>
-          <a:p>
-            <a:pPr>
-              <a:lnSpc>
-                <a:spcPct val="100000"/>
-              </a:lnSpc>
-              <a:spcAft>
-                <a:spcPts val="1100"/>
-              </a:spcAft>
-              <a:buNone/>
-              <a:tabLst>
-                <a:tab algn="l" pos="0"/>
-              </a:tabLst>
-            </a:pPr>
-            <a:endParaRPr b="0" lang="de-DE" sz="1800" spc="-1" strike="noStrike">
-              <a:solidFill>
-                <a:srgbClr val="000000"/>
-              </a:solidFill>
-              <a:latin typeface="VistaSansBook"/>
-            </a:endParaRPr>
-          </a:p>
-        </p:txBody>
-      </p:sp>
-      <p:sp>
-        <p:nvSpPr>
-          <p:cNvPr id="6" name="PlaceHolder 5"/>
-          <p:cNvSpPr>
-            <a:spLocks noGrp="1"/>
-          </p:cNvSpPr>
-          <p:nvPr>
-            <p:ph type="ftr" idx="3"/>
-          </p:nvPr>
-        </p:nvSpPr>
-        <p:spPr/>
-        <p:txBody>
-          <a:bodyPr/>
-          <a:p>
-            <a:r>
-              <a:t>Autor | Abteilung</a:t>
+              <a:t>Arne Rümmler | Abteilung 4</a:t>
             </a:r>
           </a:p>
         </p:txBody>
